--- a/SERVICIO COMUNITARIO/CARtelera.pptx
+++ b/SERVICIO COMUNITARIO/CARtelera.pptx
@@ -8,6 +8,7 @@
     <p:sldId id="256" r:id="rId2"/>
     <p:sldId id="257" r:id="rId3"/>
     <p:sldId id="258" r:id="rId4"/>
+    <p:sldId id="259" r:id="rId5"/>
   </p:sldIdLst>
   <p:sldSz cx="9144000" cy="6858000" type="letter"/>
   <p:notesSz cx="7102475" cy="9388475"/>
@@ -245,7 +246,7 @@
           <a:p>
             <a:fld id="{B82E0376-7181-405D-A2DC-B79141D244DD}" type="datetimeFigureOut">
               <a:rPr lang="es-VE" smtClean="0"/>
-              <a:t>7/4/2025</a:t>
+              <a:t>23/4/2025</a:t>
             </a:fld>
             <a:endParaRPr lang="es-VE"/>
           </a:p>
@@ -415,7 +416,7 @@
           <a:p>
             <a:fld id="{B82E0376-7181-405D-A2DC-B79141D244DD}" type="datetimeFigureOut">
               <a:rPr lang="es-VE" smtClean="0"/>
-              <a:t>7/4/2025</a:t>
+              <a:t>23/4/2025</a:t>
             </a:fld>
             <a:endParaRPr lang="es-VE"/>
           </a:p>
@@ -595,7 +596,7 @@
           <a:p>
             <a:fld id="{B82E0376-7181-405D-A2DC-B79141D244DD}" type="datetimeFigureOut">
               <a:rPr lang="es-VE" smtClean="0"/>
-              <a:t>7/4/2025</a:t>
+              <a:t>23/4/2025</a:t>
             </a:fld>
             <a:endParaRPr lang="es-VE"/>
           </a:p>
@@ -765,7 +766,7 @@
           <a:p>
             <a:fld id="{B82E0376-7181-405D-A2DC-B79141D244DD}" type="datetimeFigureOut">
               <a:rPr lang="es-VE" smtClean="0"/>
-              <a:t>7/4/2025</a:t>
+              <a:t>23/4/2025</a:t>
             </a:fld>
             <a:endParaRPr lang="es-VE"/>
           </a:p>
@@ -1009,7 +1010,7 @@
           <a:p>
             <a:fld id="{B82E0376-7181-405D-A2DC-B79141D244DD}" type="datetimeFigureOut">
               <a:rPr lang="es-VE" smtClean="0"/>
-              <a:t>7/4/2025</a:t>
+              <a:t>23/4/2025</a:t>
             </a:fld>
             <a:endParaRPr lang="es-VE"/>
           </a:p>
@@ -1241,7 +1242,7 @@
           <a:p>
             <a:fld id="{B82E0376-7181-405D-A2DC-B79141D244DD}" type="datetimeFigureOut">
               <a:rPr lang="es-VE" smtClean="0"/>
-              <a:t>7/4/2025</a:t>
+              <a:t>23/4/2025</a:t>
             </a:fld>
             <a:endParaRPr lang="es-VE"/>
           </a:p>
@@ -1608,7 +1609,7 @@
           <a:p>
             <a:fld id="{B82E0376-7181-405D-A2DC-B79141D244DD}" type="datetimeFigureOut">
               <a:rPr lang="es-VE" smtClean="0"/>
-              <a:t>7/4/2025</a:t>
+              <a:t>23/4/2025</a:t>
             </a:fld>
             <a:endParaRPr lang="es-VE"/>
           </a:p>
@@ -1726,7 +1727,7 @@
           <a:p>
             <a:fld id="{B82E0376-7181-405D-A2DC-B79141D244DD}" type="datetimeFigureOut">
               <a:rPr lang="es-VE" smtClean="0"/>
-              <a:t>7/4/2025</a:t>
+              <a:t>23/4/2025</a:t>
             </a:fld>
             <a:endParaRPr lang="es-VE"/>
           </a:p>
@@ -1821,7 +1822,7 @@
           <a:p>
             <a:fld id="{B82E0376-7181-405D-A2DC-B79141D244DD}" type="datetimeFigureOut">
               <a:rPr lang="es-VE" smtClean="0"/>
-              <a:t>7/4/2025</a:t>
+              <a:t>23/4/2025</a:t>
             </a:fld>
             <a:endParaRPr lang="es-VE"/>
           </a:p>
@@ -2098,7 +2099,7 @@
           <a:p>
             <a:fld id="{B82E0376-7181-405D-A2DC-B79141D244DD}" type="datetimeFigureOut">
               <a:rPr lang="es-VE" smtClean="0"/>
-              <a:t>7/4/2025</a:t>
+              <a:t>23/4/2025</a:t>
             </a:fld>
             <a:endParaRPr lang="es-VE"/>
           </a:p>
@@ -2355,7 +2356,7 @@
           <a:p>
             <a:fld id="{B82E0376-7181-405D-A2DC-B79141D244DD}" type="datetimeFigureOut">
               <a:rPr lang="es-VE" smtClean="0"/>
-              <a:t>7/4/2025</a:t>
+              <a:t>23/4/2025</a:t>
             </a:fld>
             <a:endParaRPr lang="es-VE"/>
           </a:p>
@@ -2568,7 +2569,7 @@
           <a:p>
             <a:fld id="{B82E0376-7181-405D-A2DC-B79141D244DD}" type="datetimeFigureOut">
               <a:rPr lang="es-VE" smtClean="0"/>
-              <a:t>7/4/2025</a:t>
+              <a:t>23/4/2025</a:t>
             </a:fld>
             <a:endParaRPr lang="es-VE"/>
           </a:p>
@@ -2981,7 +2982,7 @@
               </a:schemeClr>
             </a:gs>
           </a:gsLst>
-          <a:lin ang="5400000" scaled="1"/>
+          <a:lin ang="16200000" scaled="1"/>
           <a:tileRect/>
         </a:gradFill>
         <a:effectLst/>
@@ -3548,7 +3549,7 @@
             </a:extLst>
           </p:cNvPr>
           <p:cNvPicPr>
-            <a:picLocks/>
+            <a:picLocks noChangeAspect="1"/>
           </p:cNvPicPr>
           <p:nvPr/>
         </p:nvPicPr>
@@ -3560,80 +3561,8 @@
         </p:blipFill>
         <p:spPr>
           <a:xfrm>
-            <a:off x="401511" y="138224"/>
-            <a:ext cx="3245455" cy="2647506"/>
-          </a:xfrm>
-          <a:prstGeom prst="rect">
-            <a:avLst/>
-          </a:prstGeom>
-        </p:spPr>
-      </p:pic>
-      <p:pic>
-        <p:nvPicPr>
-          <p:cNvPr id="6" name="Imagen 5">
-            <a:extLst>
-              <a:ext uri="{FF2B5EF4-FFF2-40B4-BE49-F238E27FC236}">
-                <a16:creationId xmlns:a16="http://schemas.microsoft.com/office/drawing/2014/main" id="{45F8D888-CACD-C1DC-CC17-575C252E738E}"/>
-              </a:ext>
-            </a:extLst>
-          </p:cNvPr>
-          <p:cNvPicPr>
-            <a:picLocks noChangeAspect="1"/>
-          </p:cNvPicPr>
-          <p:nvPr/>
-        </p:nvPicPr>
-        <p:blipFill>
-          <a:blip r:embed="rId3">
-            <a:extLst>
-              <a:ext uri="{28A0092B-C50C-407E-A947-70E740481C1C}">
-                <a14:useLocalDpi xmlns:a14="http://schemas.microsoft.com/office/drawing/2010/main" val="0"/>
-              </a:ext>
-            </a:extLst>
-          </a:blip>
-          <a:stretch>
-            <a:fillRect/>
-          </a:stretch>
-        </p:blipFill>
-        <p:spPr>
-          <a:xfrm>
-            <a:off x="3886201" y="297712"/>
-            <a:ext cx="2647507" cy="2647507"/>
-          </a:xfrm>
-          <a:prstGeom prst="rect">
-            <a:avLst/>
-          </a:prstGeom>
-        </p:spPr>
-      </p:pic>
-      <p:pic>
-        <p:nvPicPr>
-          <p:cNvPr id="7" name="Imagen 6">
-            <a:extLst>
-              <a:ext uri="{FF2B5EF4-FFF2-40B4-BE49-F238E27FC236}">
-                <a16:creationId xmlns:a16="http://schemas.microsoft.com/office/drawing/2014/main" id="{061BEE21-A89A-FAE0-63C6-26A5BC8F3A20}"/>
-              </a:ext>
-            </a:extLst>
-          </p:cNvPr>
-          <p:cNvPicPr>
-            <a:picLocks noChangeAspect="1"/>
-          </p:cNvPicPr>
-          <p:nvPr/>
-        </p:nvPicPr>
-        <p:blipFill>
-          <a:blip r:embed="rId3">
-            <a:extLst>
-              <a:ext uri="{28A0092B-C50C-407E-A947-70E740481C1C}">
-                <a14:useLocalDpi xmlns:a14="http://schemas.microsoft.com/office/drawing/2010/main" val="0"/>
-              </a:ext>
-            </a:extLst>
-          </a:blip>
-          <a:stretch>
-            <a:fillRect/>
-          </a:stretch>
-        </p:blipFill>
-        <p:spPr>
-          <a:xfrm>
-            <a:off x="1072623" y="3030279"/>
-            <a:ext cx="1903229" cy="1903229"/>
+            <a:off x="53033" y="69495"/>
+            <a:ext cx="2520000" cy="2520000"/>
           </a:xfrm>
           <a:prstGeom prst="rect">
             <a:avLst/>
@@ -3662,8 +3591,513 @@
         </p:blipFill>
         <p:spPr>
           <a:xfrm>
-            <a:off x="3886201" y="3306726"/>
-            <a:ext cx="2320422" cy="1821712"/>
+            <a:off x="2667459" y="2679805"/>
+            <a:ext cx="1800000" cy="1821712"/>
+          </a:xfrm>
+          <a:prstGeom prst="rect">
+            <a:avLst/>
+          </a:prstGeom>
+        </p:spPr>
+      </p:pic>
+      <p:pic>
+        <p:nvPicPr>
+          <p:cNvPr id="3" name="Imagen 2">
+            <a:extLst>
+              <a:ext uri="{FF2B5EF4-FFF2-40B4-BE49-F238E27FC236}">
+                <a16:creationId xmlns:a16="http://schemas.microsoft.com/office/drawing/2014/main" id="{1D1AF038-93A4-B640-C86E-0AF30F3143C1}"/>
+              </a:ext>
+            </a:extLst>
+          </p:cNvPr>
+          <p:cNvPicPr>
+            <a:picLocks/>
+          </p:cNvPicPr>
+          <p:nvPr/>
+        </p:nvPicPr>
+        <p:blipFill>
+          <a:blip r:embed="rId3">
+            <a:extLst>
+              <a:ext uri="{28A0092B-C50C-407E-A947-70E740481C1C}">
+                <a14:useLocalDpi xmlns:a14="http://schemas.microsoft.com/office/drawing/2010/main" val="0"/>
+              </a:ext>
+            </a:extLst>
+          </a:blip>
+          <a:srcRect l="-15017" t="3726" r="-13615" b="-12501"/>
+          <a:stretch/>
+        </p:blipFill>
+        <p:spPr>
+          <a:xfrm>
+            <a:off x="41511" y="2679805"/>
+            <a:ext cx="2520000" cy="2520000"/>
+          </a:xfrm>
+          <a:prstGeom prst="ellipse">
+            <a:avLst/>
+          </a:prstGeom>
+          <a:solidFill>
+            <a:schemeClr val="bg1"/>
+          </a:solidFill>
+          <a:ln w="63500" cap="rnd">
+            <a:noFill/>
+          </a:ln>
+          <a:effectLst/>
+          <a:scene3d>
+            <a:camera prst="orthographicFront"/>
+            <a:lightRig rig="contrasting" dir="t">
+              <a:rot lat="0" lon="0" rev="3000000"/>
+            </a:lightRig>
+          </a:scene3d>
+          <a:sp3d contourW="7620">
+            <a:bevelT w="95250" h="31750"/>
+            <a:contourClr>
+              <a:srgbClr val="333333"/>
+            </a:contourClr>
+          </a:sp3d>
+        </p:spPr>
+      </p:pic>
+      <p:pic>
+        <p:nvPicPr>
+          <p:cNvPr id="5" name="Imagen 4">
+            <a:extLst>
+              <a:ext uri="{FF2B5EF4-FFF2-40B4-BE49-F238E27FC236}">
+                <a16:creationId xmlns:a16="http://schemas.microsoft.com/office/drawing/2014/main" id="{F05B0094-6CFF-6233-D020-C21F96E291A1}"/>
+              </a:ext>
+            </a:extLst>
+          </p:cNvPr>
+          <p:cNvPicPr>
+            <a:picLocks noChangeAspect="1"/>
+          </p:cNvPicPr>
+          <p:nvPr/>
+        </p:nvPicPr>
+        <p:blipFill>
+          <a:blip r:embed="rId3">
+            <a:extLst>
+              <a:ext uri="{28A0092B-C50C-407E-A947-70E740481C1C}">
+                <a14:useLocalDpi xmlns:a14="http://schemas.microsoft.com/office/drawing/2010/main" val="0"/>
+              </a:ext>
+            </a:extLst>
+          </a:blip>
+          <a:srcRect l="-15017" t="3726" r="-13615" b="-12501"/>
+          <a:stretch/>
+        </p:blipFill>
+        <p:spPr>
+          <a:xfrm>
+            <a:off x="2041321" y="4792527"/>
+            <a:ext cx="1800000" cy="1800000"/>
+          </a:xfrm>
+          <a:prstGeom prst="ellipse">
+            <a:avLst/>
+          </a:prstGeom>
+          <a:solidFill>
+            <a:schemeClr val="bg1"/>
+          </a:solidFill>
+          <a:ln w="63500" cap="rnd">
+            <a:noFill/>
+          </a:ln>
+          <a:effectLst/>
+          <a:scene3d>
+            <a:camera prst="orthographicFront"/>
+            <a:lightRig rig="contrasting" dir="t">
+              <a:rot lat="0" lon="0" rev="3000000"/>
+            </a:lightRig>
+          </a:scene3d>
+          <a:sp3d contourW="7620">
+            <a:bevelT w="95250" h="31750"/>
+            <a:contourClr>
+              <a:srgbClr val="333333"/>
+            </a:contourClr>
+          </a:sp3d>
+        </p:spPr>
+      </p:pic>
+      <p:sp>
+        <p:nvSpPr>
+          <p:cNvPr id="9" name="CuadroTexto 8">
+            <a:extLst>
+              <a:ext uri="{FF2B5EF4-FFF2-40B4-BE49-F238E27FC236}">
+                <a16:creationId xmlns:a16="http://schemas.microsoft.com/office/drawing/2014/main" id="{06520417-78FF-9B96-A512-F9216E1B5C62}"/>
+              </a:ext>
+            </a:extLst>
+          </p:cNvPr>
+          <p:cNvSpPr txBox="1"/>
+          <p:nvPr/>
+        </p:nvSpPr>
+        <p:spPr>
+          <a:xfrm>
+            <a:off x="2430947" y="145878"/>
+            <a:ext cx="3115339" cy="369332"/>
+          </a:xfrm>
+          <a:prstGeom prst="rect">
+            <a:avLst/>
+          </a:prstGeom>
+          <a:noFill/>
+        </p:spPr>
+        <p:txBody>
+          <a:bodyPr wrap="square" rtlCol="0">
+            <a:spAutoFit/>
+          </a:bodyPr>
+          <a:lstStyle/>
+          <a:p>
+            <a:r>
+              <a:rPr lang="es-MX" b="1" dirty="0"/>
+              <a:t>DESCRIPCION DEL PROGRAMA</a:t>
+            </a:r>
+            <a:endParaRPr lang="es-VE" b="1" dirty="0"/>
+          </a:p>
+        </p:txBody>
+      </p:sp>
+      <p:sp>
+        <p:nvSpPr>
+          <p:cNvPr id="10" name="CuadroTexto 9">
+            <a:extLst>
+              <a:ext uri="{FF2B5EF4-FFF2-40B4-BE49-F238E27FC236}">
+                <a16:creationId xmlns:a16="http://schemas.microsoft.com/office/drawing/2014/main" id="{D7DC2B74-BEFF-1CDB-188D-FBB7629DBD32}"/>
+              </a:ext>
+            </a:extLst>
+          </p:cNvPr>
+          <p:cNvSpPr txBox="1"/>
+          <p:nvPr/>
+        </p:nvSpPr>
+        <p:spPr>
+          <a:xfrm>
+            <a:off x="6798185" y="505338"/>
+            <a:ext cx="2064322" cy="369332"/>
+          </a:xfrm>
+          <a:prstGeom prst="rect">
+            <a:avLst/>
+          </a:prstGeom>
+          <a:noFill/>
+        </p:spPr>
+        <p:txBody>
+          <a:bodyPr wrap="square" rtlCol="0">
+            <a:spAutoFit/>
+          </a:bodyPr>
+          <a:lstStyle/>
+          <a:p>
+            <a:r>
+              <a:rPr lang="es-MX" b="1" dirty="0"/>
+              <a:t>PERFIL DE EGRESO</a:t>
+            </a:r>
+            <a:endParaRPr lang="es-VE" b="1" dirty="0"/>
+          </a:p>
+        </p:txBody>
+      </p:sp>
+      <p:sp>
+        <p:nvSpPr>
+          <p:cNvPr id="11" name="CuadroTexto 10">
+            <a:extLst>
+              <a:ext uri="{FF2B5EF4-FFF2-40B4-BE49-F238E27FC236}">
+                <a16:creationId xmlns:a16="http://schemas.microsoft.com/office/drawing/2014/main" id="{CE2389C0-F1AA-8C05-62EA-19EF128F548D}"/>
+              </a:ext>
+            </a:extLst>
+          </p:cNvPr>
+          <p:cNvSpPr txBox="1"/>
+          <p:nvPr/>
+        </p:nvSpPr>
+        <p:spPr>
+          <a:xfrm>
+            <a:off x="5546286" y="159474"/>
+            <a:ext cx="2844041" cy="369332"/>
+          </a:xfrm>
+          <a:prstGeom prst="rect">
+            <a:avLst/>
+          </a:prstGeom>
+          <a:noFill/>
+        </p:spPr>
+        <p:txBody>
+          <a:bodyPr wrap="square" rtlCol="0">
+            <a:spAutoFit/>
+          </a:bodyPr>
+          <a:lstStyle/>
+          <a:p>
+            <a:r>
+              <a:rPr lang="es-MX" b="1" dirty="0"/>
+              <a:t>ESTRUCTURA CURRICULAR</a:t>
+            </a:r>
+            <a:endParaRPr lang="es-VE" b="1" dirty="0"/>
+          </a:p>
+        </p:txBody>
+      </p:sp>
+      <p:sp>
+        <p:nvSpPr>
+          <p:cNvPr id="13" name="CuadroTexto 12">
+            <a:extLst>
+              <a:ext uri="{FF2B5EF4-FFF2-40B4-BE49-F238E27FC236}">
+                <a16:creationId xmlns:a16="http://schemas.microsoft.com/office/drawing/2014/main" id="{A6CD741A-25EB-563D-D55F-44210DAD844B}"/>
+              </a:ext>
+            </a:extLst>
+          </p:cNvPr>
+          <p:cNvSpPr txBox="1"/>
+          <p:nvPr/>
+        </p:nvSpPr>
+        <p:spPr>
+          <a:xfrm>
+            <a:off x="3108468" y="1329495"/>
+            <a:ext cx="4572000" cy="369332"/>
+          </a:xfrm>
+          <a:prstGeom prst="rect">
+            <a:avLst/>
+          </a:prstGeom>
+          <a:noFill/>
+        </p:spPr>
+        <p:txBody>
+          <a:bodyPr wrap="square">
+            <a:spAutoFit/>
+          </a:bodyPr>
+          <a:lstStyle/>
+          <a:p>
+            <a:pPr marL="625475" marR="676275" algn="ctr">
+              <a:spcBef>
+                <a:spcPts val="5"/>
+              </a:spcBef>
+              <a:spcAft>
+                <a:spcPts val="1000"/>
+              </a:spcAft>
+              <a:buNone/>
+            </a:pPr>
+            <a:endParaRPr lang="es-VE" sz="1800" dirty="0">
+              <a:effectLst/>
+              <a:latin typeface="Calibri" panose="020F0502020204030204" pitchFamily="34" charset="0"/>
+              <a:ea typeface="Calibri" panose="020F0502020204030204" pitchFamily="34" charset="0"/>
+              <a:cs typeface="Calibri" panose="020F0502020204030204" pitchFamily="34" charset="0"/>
+            </a:endParaRPr>
+          </a:p>
+        </p:txBody>
+      </p:sp>
+      <p:sp>
+        <p:nvSpPr>
+          <p:cNvPr id="14" name="CuadroTexto 13">
+            <a:extLst>
+              <a:ext uri="{FF2B5EF4-FFF2-40B4-BE49-F238E27FC236}">
+                <a16:creationId xmlns:a16="http://schemas.microsoft.com/office/drawing/2014/main" id="{C234EFF6-1E9A-1575-6896-4F23C08BA58E}"/>
+              </a:ext>
+            </a:extLst>
+          </p:cNvPr>
+          <p:cNvSpPr txBox="1"/>
+          <p:nvPr/>
+        </p:nvSpPr>
+        <p:spPr>
+          <a:xfrm>
+            <a:off x="2815241" y="612783"/>
+            <a:ext cx="5629186" cy="646331"/>
+          </a:xfrm>
+          <a:prstGeom prst="rect">
+            <a:avLst/>
+          </a:prstGeom>
+          <a:noFill/>
+        </p:spPr>
+        <p:txBody>
+          <a:bodyPr wrap="square" rtlCol="0">
+            <a:spAutoFit/>
+          </a:bodyPr>
+          <a:lstStyle/>
+          <a:p>
+            <a:pPr algn="ctr"/>
+            <a:r>
+              <a:rPr lang="es-MX" b="1" dirty="0"/>
+              <a:t>TRAYECTO I</a:t>
+            </a:r>
+          </a:p>
+          <a:p>
+            <a:pPr algn="ctr"/>
+            <a:r>
+              <a:rPr lang="es-MX" b="1" dirty="0"/>
+              <a:t>Certificación en Soporte Técnico a Usuarios y Equipos</a:t>
+            </a:r>
+          </a:p>
+        </p:txBody>
+      </p:sp>
+      <p:sp>
+        <p:nvSpPr>
+          <p:cNvPr id="18" name="CuadroTexto 17">
+            <a:extLst>
+              <a:ext uri="{FF2B5EF4-FFF2-40B4-BE49-F238E27FC236}">
+                <a16:creationId xmlns:a16="http://schemas.microsoft.com/office/drawing/2014/main" id="{FAEAA4EB-4264-B9E0-2925-F7E48E4523CD}"/>
+              </a:ext>
+            </a:extLst>
+          </p:cNvPr>
+          <p:cNvSpPr txBox="1"/>
+          <p:nvPr/>
+        </p:nvSpPr>
+        <p:spPr>
+          <a:xfrm>
+            <a:off x="2815241" y="1916926"/>
+            <a:ext cx="5629186" cy="646331"/>
+          </a:xfrm>
+          <a:prstGeom prst="rect">
+            <a:avLst/>
+          </a:prstGeom>
+          <a:noFill/>
+        </p:spPr>
+        <p:txBody>
+          <a:bodyPr wrap="square" rtlCol="0">
+            <a:spAutoFit/>
+          </a:bodyPr>
+          <a:lstStyle/>
+          <a:p>
+            <a:pPr algn="ctr"/>
+            <a:r>
+              <a:rPr lang="es-MX" b="1" dirty="0"/>
+              <a:t>Trayecto III</a:t>
+            </a:r>
+          </a:p>
+          <a:p>
+            <a:pPr algn="ctr"/>
+            <a:r>
+              <a:rPr lang="es-MX" b="1" dirty="0"/>
+              <a:t>Certificación en Desarrollador de Aplicaciones</a:t>
+            </a:r>
+          </a:p>
+        </p:txBody>
+      </p:sp>
+      <p:sp>
+        <p:nvSpPr>
+          <p:cNvPr id="19" name="CuadroTexto 18">
+            <a:extLst>
+              <a:ext uri="{FF2B5EF4-FFF2-40B4-BE49-F238E27FC236}">
+                <a16:creationId xmlns:a16="http://schemas.microsoft.com/office/drawing/2014/main" id="{7EFC5D3C-7370-09A3-AFEC-667D040145EC}"/>
+              </a:ext>
+            </a:extLst>
+          </p:cNvPr>
+          <p:cNvSpPr txBox="1"/>
+          <p:nvPr/>
+        </p:nvSpPr>
+        <p:spPr>
+          <a:xfrm>
+            <a:off x="2815241" y="1323128"/>
+            <a:ext cx="5629186" cy="646331"/>
+          </a:xfrm>
+          <a:prstGeom prst="rect">
+            <a:avLst/>
+          </a:prstGeom>
+          <a:noFill/>
+        </p:spPr>
+        <p:txBody>
+          <a:bodyPr wrap="square" rtlCol="0">
+            <a:spAutoFit/>
+          </a:bodyPr>
+          <a:lstStyle/>
+          <a:p>
+            <a:pPr algn="ctr"/>
+            <a:r>
+              <a:rPr lang="es-MX" b="1" dirty="0"/>
+              <a:t>Trayecto II</a:t>
+            </a:r>
+          </a:p>
+          <a:p>
+            <a:pPr algn="ctr"/>
+            <a:r>
+              <a:rPr lang="es-MX" b="1" dirty="0"/>
+              <a:t>Certificación en Técnico Superior en Informática</a:t>
+            </a:r>
+          </a:p>
+        </p:txBody>
+      </p:sp>
+      <p:sp>
+        <p:nvSpPr>
+          <p:cNvPr id="20" name="CuadroTexto 19">
+            <a:extLst>
+              <a:ext uri="{FF2B5EF4-FFF2-40B4-BE49-F238E27FC236}">
+                <a16:creationId xmlns:a16="http://schemas.microsoft.com/office/drawing/2014/main" id="{BB234540-F234-59B4-986C-EB59A60BDF97}"/>
+              </a:ext>
+            </a:extLst>
+          </p:cNvPr>
+          <p:cNvSpPr txBox="1"/>
+          <p:nvPr/>
+        </p:nvSpPr>
+        <p:spPr>
+          <a:xfrm>
+            <a:off x="3321130" y="4242211"/>
+            <a:ext cx="5629186" cy="646331"/>
+          </a:xfrm>
+          <a:prstGeom prst="rect">
+            <a:avLst/>
+          </a:prstGeom>
+          <a:noFill/>
+        </p:spPr>
+        <p:txBody>
+          <a:bodyPr wrap="square" rtlCol="0">
+            <a:spAutoFit/>
+          </a:bodyPr>
+          <a:lstStyle/>
+          <a:p>
+            <a:pPr algn="ctr"/>
+            <a:r>
+              <a:rPr lang="es-MX" b="1" dirty="0"/>
+              <a:t>Trayecto III</a:t>
+            </a:r>
+          </a:p>
+          <a:p>
+            <a:pPr algn="ctr"/>
+            <a:r>
+              <a:rPr lang="es-MX" b="1" dirty="0"/>
+              <a:t>Certificación en Desarrollador de Aplicaciones</a:t>
+            </a:r>
+          </a:p>
+        </p:txBody>
+      </p:sp>
+      <p:pic>
+        <p:nvPicPr>
+          <p:cNvPr id="22" name="Imagen 21">
+            <a:extLst>
+              <a:ext uri="{FF2B5EF4-FFF2-40B4-BE49-F238E27FC236}">
+                <a16:creationId xmlns:a16="http://schemas.microsoft.com/office/drawing/2014/main" id="{7BCF390A-79E3-9CD3-AAB5-58256228795D}"/>
+              </a:ext>
+            </a:extLst>
+          </p:cNvPr>
+          <p:cNvPicPr>
+            <a:picLocks noChangeAspect="1"/>
+          </p:cNvPicPr>
+          <p:nvPr/>
+        </p:nvPicPr>
+        <p:blipFill>
+          <a:blip r:embed="rId4">
+            <a:extLst>
+              <a:ext uri="{28A0092B-C50C-407E-A947-70E740481C1C}">
+                <a14:useLocalDpi xmlns:a14="http://schemas.microsoft.com/office/drawing/2010/main" val="0"/>
+              </a:ext>
+            </a:extLst>
+          </a:blip>
+          <a:stretch>
+            <a:fillRect/>
+          </a:stretch>
+        </p:blipFill>
+        <p:spPr>
+          <a:xfrm>
+            <a:off x="7045423" y="2631866"/>
+            <a:ext cx="1800000" cy="1800000"/>
+          </a:xfrm>
+          <a:prstGeom prst="rect">
+            <a:avLst/>
+          </a:prstGeom>
+        </p:spPr>
+      </p:pic>
+      <p:pic>
+        <p:nvPicPr>
+          <p:cNvPr id="24" name="Imagen 23">
+            <a:extLst>
+              <a:ext uri="{FF2B5EF4-FFF2-40B4-BE49-F238E27FC236}">
+                <a16:creationId xmlns:a16="http://schemas.microsoft.com/office/drawing/2014/main" id="{8EDF088C-E678-B44D-BFFE-41BCBE17F376}"/>
+              </a:ext>
+            </a:extLst>
+          </p:cNvPr>
+          <p:cNvPicPr>
+            <a:picLocks noChangeAspect="1"/>
+          </p:cNvPicPr>
+          <p:nvPr/>
+        </p:nvPicPr>
+        <p:blipFill>
+          <a:blip r:embed="rId5">
+            <a:extLst>
+              <a:ext uri="{28A0092B-C50C-407E-A947-70E740481C1C}">
+                <a14:useLocalDpi xmlns:a14="http://schemas.microsoft.com/office/drawing/2010/main" val="0"/>
+              </a:ext>
+            </a:extLst>
+          </a:blip>
+          <a:srcRect b="28101"/>
+          <a:stretch/>
+        </p:blipFill>
+        <p:spPr>
+          <a:xfrm>
+            <a:off x="6908367" y="5022752"/>
+            <a:ext cx="2294642" cy="1649818"/>
           </a:xfrm>
           <a:prstGeom prst="rect">
             <a:avLst/>
@@ -3674,6 +4108,193 @@
     <p:extLst>
       <p:ext uri="{BB962C8B-B14F-4D97-AF65-F5344CB8AC3E}">
         <p14:creationId xmlns:p14="http://schemas.microsoft.com/office/powerpoint/2010/main" val="3905350785"/>
+      </p:ext>
+    </p:extLst>
+  </p:cSld>
+  <p:clrMapOvr>
+    <a:masterClrMapping/>
+  </p:clrMapOvr>
+</p:sld>
+</file>
+
+<file path=ppt/slides/slide4.xml><?xml version="1.0" encoding="utf-8"?>
+<p:sld xmlns:a="http://schemas.openxmlformats.org/drawingml/2006/main" xmlns:r="http://schemas.openxmlformats.org/officeDocument/2006/relationships" xmlns:p="http://schemas.openxmlformats.org/presentationml/2006/main">
+  <p:cSld>
+    <p:spTree>
+      <p:nvGrpSpPr>
+        <p:cNvPr id="1" name="">
+          <a:extLst>
+            <a:ext uri="{FF2B5EF4-FFF2-40B4-BE49-F238E27FC236}">
+              <a16:creationId xmlns:a16="http://schemas.microsoft.com/office/drawing/2014/main" id="{2638B64C-8B03-409F-47BE-DA8740DB2919}"/>
+            </a:ext>
+          </a:extLst>
+        </p:cNvPr>
+        <p:cNvGrpSpPr/>
+        <p:nvPr/>
+      </p:nvGrpSpPr>
+      <p:grpSpPr>
+        <a:xfrm>
+          <a:off x="0" y="0"/>
+          <a:ext cx="0" cy="0"/>
+          <a:chOff x="0" y="0"/>
+          <a:chExt cx="0" cy="0"/>
+        </a:xfrm>
+      </p:grpSpPr>
+      <p:sp>
+        <p:nvSpPr>
+          <p:cNvPr id="6" name="CuadroTexto 5">
+            <a:extLst>
+              <a:ext uri="{FF2B5EF4-FFF2-40B4-BE49-F238E27FC236}">
+                <a16:creationId xmlns:a16="http://schemas.microsoft.com/office/drawing/2014/main" id="{493F01D5-87D7-A985-D9A4-BE439B2DD942}"/>
+              </a:ext>
+            </a:extLst>
+          </p:cNvPr>
+          <p:cNvSpPr txBox="1"/>
+          <p:nvPr/>
+        </p:nvSpPr>
+        <p:spPr>
+          <a:xfrm>
+            <a:off x="3534937" y="-11311563"/>
+            <a:ext cx="7069872" cy="8550289"/>
+          </a:xfrm>
+          <a:prstGeom prst="rect">
+            <a:avLst/>
+          </a:prstGeom>
+          <a:noFill/>
+        </p:spPr>
+        <p:txBody>
+          <a:bodyPr wrap="square">
+            <a:spAutoFit/>
+          </a:bodyPr>
+          <a:lstStyle/>
+          <a:p>
+            <a:pPr>
+              <a:lnSpc>
+                <a:spcPct val="115000"/>
+              </a:lnSpc>
+              <a:spcAft>
+                <a:spcPts val="1000"/>
+              </a:spcAft>
+              <a:buNone/>
+            </a:pPr>
+            <a:r>
+              <a:rPr lang="es-VE" sz="1800" b="1" dirty="0">
+                <a:effectLst/>
+                <a:latin typeface="Calibri" panose="020F0502020204030204" pitchFamily="34" charset="0"/>
+                <a:ea typeface="Calibri" panose="020F0502020204030204" pitchFamily="34" charset="0"/>
+                <a:cs typeface="Times New Roman" panose="02020603050405020304" pitchFamily="18" charset="0"/>
+              </a:rPr>
+              <a:t>Descripción del Programa</a:t>
+            </a:r>
+            <a:endParaRPr lang="es-VE" sz="1800" dirty="0">
+              <a:effectLst/>
+              <a:latin typeface="Calibri" panose="020F0502020204030204" pitchFamily="34" charset="0"/>
+              <a:ea typeface="Calibri" panose="020F0502020204030204" pitchFamily="34" charset="0"/>
+              <a:cs typeface="Times New Roman" panose="02020603050405020304" pitchFamily="18" charset="0"/>
+            </a:endParaRPr>
+          </a:p>
+          <a:p>
+            <a:pPr>
+              <a:lnSpc>
+                <a:spcPct val="115000"/>
+              </a:lnSpc>
+              <a:spcAft>
+                <a:spcPts val="1000"/>
+              </a:spcAft>
+              <a:buNone/>
+            </a:pPr>
+            <a:r>
+              <a:rPr lang="es-VE" sz="1800" dirty="0">
+                <a:effectLst/>
+                <a:latin typeface="Calibri" panose="020F0502020204030204" pitchFamily="34" charset="0"/>
+                <a:ea typeface="Calibri" panose="020F0502020204030204" pitchFamily="34" charset="0"/>
+                <a:cs typeface="Times New Roman" panose="02020603050405020304" pitchFamily="18" charset="0"/>
+              </a:rPr>
+              <a:t>El Programa Nacional de Formación en Informática (PNFI) tiene como fin promover un conjunto de estudios y actividades académicas conducentes a los títulos de Técnico o Técnica Superior Universitaria en Informática e Ingeniero o Ingeniera en Informática, así como el grado de Especialista en áreas afines, donde se asocia el conocimiento con la investigación en escenarios reales, utilizando como método el diseño, desarrollo y puesta en marcha de Proyectos Socio Tecnológicos, utilizando para ello, la ejecución de proyectos oportunos, pertinentes y eficientes, en las comunidades u organizaciones estudiadas, lo que constituye características fundamentadas hacia la concepción de seres sociales unidos por sentimientos de búsqueda del bien común y calidad académica, construcción colectiva de aprendizajes, detección y solución de situaciones del área de informática, basados en integración de actores y visiones de conjunto, considerando siempre lo humano del ser.</a:t>
+            </a:r>
+          </a:p>
+          <a:p>
+            <a:pPr>
+              <a:lnSpc>
+                <a:spcPct val="115000"/>
+              </a:lnSpc>
+              <a:spcAft>
+                <a:spcPts val="1000"/>
+              </a:spcAft>
+              <a:buNone/>
+            </a:pPr>
+            <a:r>
+              <a:rPr lang="es-VE" sz="1800" b="1" dirty="0">
+                <a:effectLst/>
+                <a:latin typeface="Calibri" panose="020F0502020204030204" pitchFamily="34" charset="0"/>
+                <a:ea typeface="Calibri" panose="020F0502020204030204" pitchFamily="34" charset="0"/>
+                <a:cs typeface="Times New Roman" panose="02020603050405020304" pitchFamily="18" charset="0"/>
+              </a:rPr>
+              <a:t>Estructura Curricular</a:t>
+            </a:r>
+            <a:endParaRPr lang="es-VE" sz="1800" dirty="0">
+              <a:effectLst/>
+              <a:latin typeface="Calibri" panose="020F0502020204030204" pitchFamily="34" charset="0"/>
+              <a:ea typeface="Calibri" panose="020F0502020204030204" pitchFamily="34" charset="0"/>
+              <a:cs typeface="Times New Roman" panose="02020603050405020304" pitchFamily="18" charset="0"/>
+            </a:endParaRPr>
+          </a:p>
+          <a:p>
+            <a:pPr marL="342900" lvl="0" indent="-342900">
+              <a:lnSpc>
+                <a:spcPct val="115000"/>
+              </a:lnSpc>
+              <a:spcAft>
+                <a:spcPts val="1000"/>
+              </a:spcAft>
+              <a:buSzPts val="1000"/>
+              <a:buFont typeface="Symbol" panose="05050102010706020507" pitchFamily="18" charset="2"/>
+              <a:buChar char=""/>
+              <a:tabLst>
+                <a:tab pos="457200" algn="l"/>
+              </a:tabLst>
+            </a:pPr>
+            <a:r>
+              <a:rPr lang="es-VE" sz="1800" dirty="0">
+                <a:effectLst/>
+                <a:latin typeface="Calibri" panose="020F0502020204030204" pitchFamily="34" charset="0"/>
+                <a:ea typeface="Calibri" panose="020F0502020204030204" pitchFamily="34" charset="0"/>
+                <a:cs typeface="Times New Roman" panose="02020603050405020304" pitchFamily="18" charset="0"/>
+              </a:rPr>
+              <a:t>La estructura curricular del PNFI se diseña en trayectos, los cuales equivalen a un año; cada trayecto se estructura en tres trimestres.</a:t>
+            </a:r>
+          </a:p>
+          <a:p>
+            <a:pPr marL="342900" lvl="0" indent="-342900">
+              <a:lnSpc>
+                <a:spcPct val="115000"/>
+              </a:lnSpc>
+              <a:spcAft>
+                <a:spcPts val="1000"/>
+              </a:spcAft>
+              <a:buSzPts val="1000"/>
+              <a:buFont typeface="Symbol" panose="05050102010706020507" pitchFamily="18" charset="2"/>
+              <a:buChar char=""/>
+              <a:tabLst>
+                <a:tab pos="457200" algn="l"/>
+              </a:tabLst>
+            </a:pPr>
+            <a:r>
+              <a:rPr lang="es-VE" sz="1800" dirty="0">
+                <a:effectLst/>
+                <a:latin typeface="Calibri" panose="020F0502020204030204" pitchFamily="34" charset="0"/>
+                <a:ea typeface="Calibri" panose="020F0502020204030204" pitchFamily="34" charset="0"/>
+                <a:cs typeface="Times New Roman" panose="02020603050405020304" pitchFamily="18" charset="0"/>
+              </a:rPr>
+              <a:t>El régimen de estudios es anual, la estructura curricular contempla los trimestres de doce (12) semanas cada uno. Con una duración de dos (02) trayectos para la titulación como Técnico o Técnica Superior Universitario en Informática y de cuatro (04) trayectos para Ingeniero o Ingeniera en Informática. Así como las certificaciones para el trayecto I y III, de Soporte técnico a usuarios y equipos y Desarrollador de aplicaciones, respectivamente.</a:t>
+            </a:r>
+          </a:p>
+        </p:txBody>
+      </p:sp>
+    </p:spTree>
+    <p:extLst>
+      <p:ext uri="{BB962C8B-B14F-4D97-AF65-F5344CB8AC3E}">
+        <p14:creationId xmlns:p14="http://schemas.microsoft.com/office/powerpoint/2010/main" val="3636284986"/>
       </p:ext>
     </p:extLst>
   </p:cSld>

--- a/SERVICIO COMUNITARIO/CARtelera.pptx
+++ b/SERVICIO COMUNITARIO/CARtelera.pptx
@@ -8,7 +8,6 @@
     <p:sldId id="256" r:id="rId2"/>
     <p:sldId id="257" r:id="rId3"/>
     <p:sldId id="258" r:id="rId4"/>
-    <p:sldId id="259" r:id="rId5"/>
   </p:sldIdLst>
   <p:sldSz cx="9144000" cy="6858000" type="letter"/>
   <p:notesSz cx="7102475" cy="9388475"/>
@@ -3561,7 +3560,7 @@
         </p:blipFill>
         <p:spPr>
           <a:xfrm>
-            <a:off x="53033" y="69495"/>
+            <a:off x="101696" y="87980"/>
             <a:ext cx="2520000" cy="2520000"/>
           </a:xfrm>
           <a:prstGeom prst="rect">
@@ -3591,7 +3590,7 @@
         </p:blipFill>
         <p:spPr>
           <a:xfrm>
-            <a:off x="2667459" y="2679805"/>
+            <a:off x="5583463" y="4919121"/>
             <a:ext cx="1800000" cy="1821712"/>
           </a:xfrm>
           <a:prstGeom prst="rect">
@@ -3626,7 +3625,7 @@
         </p:blipFill>
         <p:spPr>
           <a:xfrm>
-            <a:off x="41511" y="2679805"/>
+            <a:off x="159191" y="2798722"/>
             <a:ext cx="2520000" cy="2520000"/>
           </a:xfrm>
           <a:prstGeom prst="ellipse">
@@ -3680,7 +3679,7 @@
         </p:blipFill>
         <p:spPr>
           <a:xfrm>
-            <a:off x="2041321" y="4792527"/>
+            <a:off x="1917355" y="4940833"/>
             <a:ext cx="1800000" cy="1800000"/>
           </a:xfrm>
           <a:prstGeom prst="ellipse">
@@ -3721,13 +3720,19 @@
         </p:nvSpPr>
         <p:spPr>
           <a:xfrm>
-            <a:off x="2430947" y="145878"/>
-            <a:ext cx="3115339" cy="369332"/>
+            <a:off x="4415349" y="58161"/>
+            <a:ext cx="3798403" cy="430887"/>
           </a:xfrm>
           <a:prstGeom prst="rect">
             <a:avLst/>
           </a:prstGeom>
           <a:noFill/>
+          <a:ln>
+            <a:solidFill>
+              <a:schemeClr val="tx1"/>
+            </a:solidFill>
+            <a:prstDash val="dash"/>
+          </a:ln>
         </p:spPr>
         <p:txBody>
           <a:bodyPr wrap="square" rtlCol="0">
@@ -3736,10 +3741,10 @@
           <a:lstStyle/>
           <a:p>
             <a:r>
-              <a:rPr lang="es-MX" b="1" dirty="0"/>
+              <a:rPr lang="es-MX" sz="2200" b="1" dirty="0"/>
               <a:t>DESCRIPCION DEL PROGRAMA</a:t>
             </a:r>
-            <a:endParaRPr lang="es-VE" b="1" dirty="0"/>
+            <a:endParaRPr lang="es-VE" sz="2200" b="1" dirty="0"/>
           </a:p>
         </p:txBody>
       </p:sp>
@@ -3757,13 +3762,19 @@
         </p:nvSpPr>
         <p:spPr>
           <a:xfrm>
-            <a:off x="6798185" y="505338"/>
-            <a:ext cx="2064322" cy="369332"/>
+            <a:off x="6171391" y="805575"/>
+            <a:ext cx="2747708" cy="369332"/>
           </a:xfrm>
           <a:prstGeom prst="rect">
             <a:avLst/>
           </a:prstGeom>
           <a:noFill/>
+          <a:ln>
+            <a:solidFill>
+              <a:schemeClr val="tx1"/>
+            </a:solidFill>
+            <a:prstDash val="dash"/>
+          </a:ln>
         </p:spPr>
         <p:txBody>
           <a:bodyPr wrap="square" rtlCol="0">
@@ -3772,8 +3783,12 @@
           <a:lstStyle/>
           <a:p>
             <a:r>
+              <a:rPr lang="es-MX" b="1" dirty="0" smtClean="0"/>
+              <a:t>PERFILES </a:t>
+            </a:r>
+            <a:r>
               <a:rPr lang="es-MX" b="1" dirty="0"/>
-              <a:t>PERFIL DE EGRESO</a:t>
+              <a:t>DE EGRESO</a:t>
             </a:r>
             <a:endParaRPr lang="es-VE" b="1" dirty="0"/>
           </a:p>
@@ -3793,13 +3808,19 @@
         </p:nvSpPr>
         <p:spPr>
           <a:xfrm>
-            <a:off x="5546286" y="159474"/>
+            <a:off x="2974523" y="620909"/>
             <a:ext cx="2844041" cy="369332"/>
           </a:xfrm>
           <a:prstGeom prst="rect">
             <a:avLst/>
           </a:prstGeom>
           <a:noFill/>
+          <a:ln>
+            <a:solidFill>
+              <a:schemeClr val="tx1"/>
+            </a:solidFill>
+            <a:prstDash val="dash"/>
+          </a:ln>
         </p:spPr>
         <p:txBody>
           <a:bodyPr wrap="square" rtlCol="0">
@@ -3812,52 +3833,6 @@
               <a:t>ESTRUCTURA CURRICULAR</a:t>
             </a:r>
             <a:endParaRPr lang="es-VE" b="1" dirty="0"/>
-          </a:p>
-        </p:txBody>
-      </p:sp>
-      <p:sp>
-        <p:nvSpPr>
-          <p:cNvPr id="13" name="CuadroTexto 12">
-            <a:extLst>
-              <a:ext uri="{FF2B5EF4-FFF2-40B4-BE49-F238E27FC236}">
-                <a16:creationId xmlns:a16="http://schemas.microsoft.com/office/drawing/2014/main" id="{A6CD741A-25EB-563D-D55F-44210DAD844B}"/>
-              </a:ext>
-            </a:extLst>
-          </p:cNvPr>
-          <p:cNvSpPr txBox="1"/>
-          <p:nvPr/>
-        </p:nvSpPr>
-        <p:spPr>
-          <a:xfrm>
-            <a:off x="3108468" y="1329495"/>
-            <a:ext cx="4572000" cy="369332"/>
-          </a:xfrm>
-          <a:prstGeom prst="rect">
-            <a:avLst/>
-          </a:prstGeom>
-          <a:noFill/>
-        </p:spPr>
-        <p:txBody>
-          <a:bodyPr wrap="square">
-            <a:spAutoFit/>
-          </a:bodyPr>
-          <a:lstStyle/>
-          <a:p>
-            <a:pPr marL="625475" marR="676275" algn="ctr">
-              <a:spcBef>
-                <a:spcPts val="5"/>
-              </a:spcBef>
-              <a:spcAft>
-                <a:spcPts val="1000"/>
-              </a:spcAft>
-              <a:buNone/>
-            </a:pPr>
-            <a:endParaRPr lang="es-VE" sz="1800" dirty="0">
-              <a:effectLst/>
-              <a:latin typeface="Calibri" panose="020F0502020204030204" pitchFamily="34" charset="0"/>
-              <a:ea typeface="Calibri" panose="020F0502020204030204" pitchFamily="34" charset="0"/>
-              <a:cs typeface="Calibri" panose="020F0502020204030204" pitchFamily="34" charset="0"/>
-            </a:endParaRPr>
           </a:p>
         </p:txBody>
       </p:sp>
@@ -3875,13 +3850,19 @@
         </p:nvSpPr>
         <p:spPr>
           <a:xfrm>
-            <a:off x="2815241" y="612783"/>
+            <a:off x="3108468" y="1352326"/>
             <a:ext cx="5629186" cy="646331"/>
           </a:xfrm>
           <a:prstGeom prst="rect">
             <a:avLst/>
           </a:prstGeom>
           <a:noFill/>
+          <a:ln>
+            <a:solidFill>
+              <a:schemeClr val="tx1"/>
+            </a:solidFill>
+            <a:prstDash val="dash"/>
+          </a:ln>
         </p:spPr>
         <p:txBody>
           <a:bodyPr wrap="square" rtlCol="0">
@@ -3918,13 +3899,19 @@
         </p:nvSpPr>
         <p:spPr>
           <a:xfrm>
-            <a:off x="2815241" y="1916926"/>
+            <a:off x="3128131" y="2830417"/>
             <a:ext cx="5629186" cy="646331"/>
           </a:xfrm>
           <a:prstGeom prst="rect">
             <a:avLst/>
           </a:prstGeom>
           <a:noFill/>
+          <a:ln>
+            <a:solidFill>
+              <a:schemeClr val="tx1"/>
+            </a:solidFill>
+            <a:prstDash val="dash"/>
+          </a:ln>
         </p:spPr>
         <p:txBody>
           <a:bodyPr wrap="square" rtlCol="0">
@@ -3934,15 +3921,19 @@
           <a:p>
             <a:pPr algn="ctr"/>
             <a:r>
+              <a:rPr lang="es-MX" b="1" dirty="0" smtClean="0"/>
+              <a:t>TRAYECTO III</a:t>
+            </a:r>
+          </a:p>
+          <a:p>
+            <a:pPr algn="ctr"/>
+            <a:r>
+              <a:rPr lang="es-MX" b="1" dirty="0" smtClean="0"/>
+              <a:t>Certificación </a:t>
+            </a:r>
+            <a:r>
               <a:rPr lang="es-MX" b="1" dirty="0"/>
-              <a:t>Trayecto III</a:t>
-            </a:r>
-          </a:p>
-          <a:p>
-            <a:pPr algn="ctr"/>
-            <a:r>
-              <a:rPr lang="es-MX" b="1" dirty="0"/>
-              <a:t>Certificación en Desarrollador de Aplicaciones</a:t>
+              <a:t>en Desarrollador de Aplicaciones</a:t>
             </a:r>
           </a:p>
         </p:txBody>
@@ -3961,13 +3952,19 @@
         </p:nvSpPr>
         <p:spPr>
           <a:xfrm>
-            <a:off x="2815241" y="1323128"/>
+            <a:off x="3108468" y="2094587"/>
             <a:ext cx="5629186" cy="646331"/>
           </a:xfrm>
           <a:prstGeom prst="rect">
             <a:avLst/>
           </a:prstGeom>
           <a:noFill/>
+          <a:ln>
+            <a:solidFill>
+              <a:schemeClr val="tx1"/>
+            </a:solidFill>
+            <a:prstDash val="dash"/>
+          </a:ln>
         </p:spPr>
         <p:txBody>
           <a:bodyPr wrap="square" rtlCol="0">
@@ -3977,15 +3974,19 @@
           <a:p>
             <a:pPr algn="ctr"/>
             <a:r>
+              <a:rPr lang="es-MX" b="1" dirty="0" smtClean="0"/>
+              <a:t>TRAYECTO II</a:t>
+            </a:r>
+          </a:p>
+          <a:p>
+            <a:pPr algn="ctr"/>
+            <a:r>
+              <a:rPr lang="es-MX" b="1" dirty="0" smtClean="0"/>
+              <a:t>Certificación </a:t>
+            </a:r>
+            <a:r>
               <a:rPr lang="es-MX" b="1" dirty="0"/>
-              <a:t>Trayecto II</a:t>
-            </a:r>
-          </a:p>
-          <a:p>
-            <a:pPr algn="ctr"/>
-            <a:r>
-              <a:rPr lang="es-MX" b="1" dirty="0"/>
-              <a:t>Certificación en Técnico Superior en Informática</a:t>
+              <a:t>en Técnico Superior en Informática</a:t>
             </a:r>
           </a:p>
         </p:txBody>
@@ -4004,13 +4005,19 @@
         </p:nvSpPr>
         <p:spPr>
           <a:xfrm>
-            <a:off x="3321130" y="4242211"/>
+            <a:off x="3108468" y="3571150"/>
             <a:ext cx="5629186" cy="646331"/>
           </a:xfrm>
           <a:prstGeom prst="rect">
             <a:avLst/>
           </a:prstGeom>
           <a:noFill/>
+          <a:ln>
+            <a:solidFill>
+              <a:schemeClr val="tx1"/>
+            </a:solidFill>
+            <a:prstDash val="dash"/>
+          </a:ln>
         </p:spPr>
         <p:txBody>
           <a:bodyPr wrap="square" rtlCol="0">
@@ -4020,15 +4027,19 @@
           <a:p>
             <a:pPr algn="ctr"/>
             <a:r>
+              <a:rPr lang="es-MX" b="1" dirty="0" smtClean="0"/>
+              <a:t>TRAYECTO III</a:t>
+            </a:r>
+          </a:p>
+          <a:p>
+            <a:pPr algn="ctr"/>
+            <a:r>
+              <a:rPr lang="es-MX" b="1" dirty="0" smtClean="0"/>
+              <a:t>Certificación </a:t>
+            </a:r>
+            <a:r>
               <a:rPr lang="es-MX" b="1" dirty="0"/>
-              <a:t>Trayecto III</a:t>
-            </a:r>
-          </a:p>
-          <a:p>
-            <a:pPr algn="ctr"/>
-            <a:r>
-              <a:rPr lang="es-MX" b="1" dirty="0"/>
-              <a:t>Certificación en Desarrollador de Aplicaciones</a:t>
+              <a:t>en Desarrollador de Aplicaciones</a:t>
             </a:r>
           </a:p>
         </p:txBody>
@@ -4061,7 +4072,7 @@
         </p:blipFill>
         <p:spPr>
           <a:xfrm>
-            <a:off x="7045423" y="2631866"/>
+            <a:off x="3726311" y="4399680"/>
             <a:ext cx="1800000" cy="1800000"/>
           </a:xfrm>
           <a:prstGeom prst="rect">
@@ -4096,7 +4107,7 @@
         </p:blipFill>
         <p:spPr>
           <a:xfrm>
-            <a:off x="6908367" y="5022752"/>
+            <a:off x="7066431" y="4308182"/>
             <a:ext cx="2294642" cy="1649818"/>
           </a:xfrm>
           <a:prstGeom prst="rect">
@@ -4108,193 +4119,6 @@
     <p:extLst>
       <p:ext uri="{BB962C8B-B14F-4D97-AF65-F5344CB8AC3E}">
         <p14:creationId xmlns:p14="http://schemas.microsoft.com/office/powerpoint/2010/main" val="3905350785"/>
-      </p:ext>
-    </p:extLst>
-  </p:cSld>
-  <p:clrMapOvr>
-    <a:masterClrMapping/>
-  </p:clrMapOvr>
-</p:sld>
-</file>
-
-<file path=ppt/slides/slide4.xml><?xml version="1.0" encoding="utf-8"?>
-<p:sld xmlns:a="http://schemas.openxmlformats.org/drawingml/2006/main" xmlns:r="http://schemas.openxmlformats.org/officeDocument/2006/relationships" xmlns:p="http://schemas.openxmlformats.org/presentationml/2006/main">
-  <p:cSld>
-    <p:spTree>
-      <p:nvGrpSpPr>
-        <p:cNvPr id="1" name="">
-          <a:extLst>
-            <a:ext uri="{FF2B5EF4-FFF2-40B4-BE49-F238E27FC236}">
-              <a16:creationId xmlns:a16="http://schemas.microsoft.com/office/drawing/2014/main" id="{2638B64C-8B03-409F-47BE-DA8740DB2919}"/>
-            </a:ext>
-          </a:extLst>
-        </p:cNvPr>
-        <p:cNvGrpSpPr/>
-        <p:nvPr/>
-      </p:nvGrpSpPr>
-      <p:grpSpPr>
-        <a:xfrm>
-          <a:off x="0" y="0"/>
-          <a:ext cx="0" cy="0"/>
-          <a:chOff x="0" y="0"/>
-          <a:chExt cx="0" cy="0"/>
-        </a:xfrm>
-      </p:grpSpPr>
-      <p:sp>
-        <p:nvSpPr>
-          <p:cNvPr id="6" name="CuadroTexto 5">
-            <a:extLst>
-              <a:ext uri="{FF2B5EF4-FFF2-40B4-BE49-F238E27FC236}">
-                <a16:creationId xmlns:a16="http://schemas.microsoft.com/office/drawing/2014/main" id="{493F01D5-87D7-A985-D9A4-BE439B2DD942}"/>
-              </a:ext>
-            </a:extLst>
-          </p:cNvPr>
-          <p:cNvSpPr txBox="1"/>
-          <p:nvPr/>
-        </p:nvSpPr>
-        <p:spPr>
-          <a:xfrm>
-            <a:off x="3534937" y="-11311563"/>
-            <a:ext cx="7069872" cy="8550289"/>
-          </a:xfrm>
-          <a:prstGeom prst="rect">
-            <a:avLst/>
-          </a:prstGeom>
-          <a:noFill/>
-        </p:spPr>
-        <p:txBody>
-          <a:bodyPr wrap="square">
-            <a:spAutoFit/>
-          </a:bodyPr>
-          <a:lstStyle/>
-          <a:p>
-            <a:pPr>
-              <a:lnSpc>
-                <a:spcPct val="115000"/>
-              </a:lnSpc>
-              <a:spcAft>
-                <a:spcPts val="1000"/>
-              </a:spcAft>
-              <a:buNone/>
-            </a:pPr>
-            <a:r>
-              <a:rPr lang="es-VE" sz="1800" b="1" dirty="0">
-                <a:effectLst/>
-                <a:latin typeface="Calibri" panose="020F0502020204030204" pitchFamily="34" charset="0"/>
-                <a:ea typeface="Calibri" panose="020F0502020204030204" pitchFamily="34" charset="0"/>
-                <a:cs typeface="Times New Roman" panose="02020603050405020304" pitchFamily="18" charset="0"/>
-              </a:rPr>
-              <a:t>Descripción del Programa</a:t>
-            </a:r>
-            <a:endParaRPr lang="es-VE" sz="1800" dirty="0">
-              <a:effectLst/>
-              <a:latin typeface="Calibri" panose="020F0502020204030204" pitchFamily="34" charset="0"/>
-              <a:ea typeface="Calibri" panose="020F0502020204030204" pitchFamily="34" charset="0"/>
-              <a:cs typeface="Times New Roman" panose="02020603050405020304" pitchFamily="18" charset="0"/>
-            </a:endParaRPr>
-          </a:p>
-          <a:p>
-            <a:pPr>
-              <a:lnSpc>
-                <a:spcPct val="115000"/>
-              </a:lnSpc>
-              <a:spcAft>
-                <a:spcPts val="1000"/>
-              </a:spcAft>
-              <a:buNone/>
-            </a:pPr>
-            <a:r>
-              <a:rPr lang="es-VE" sz="1800" dirty="0">
-                <a:effectLst/>
-                <a:latin typeface="Calibri" panose="020F0502020204030204" pitchFamily="34" charset="0"/>
-                <a:ea typeface="Calibri" panose="020F0502020204030204" pitchFamily="34" charset="0"/>
-                <a:cs typeface="Times New Roman" panose="02020603050405020304" pitchFamily="18" charset="0"/>
-              </a:rPr>
-              <a:t>El Programa Nacional de Formación en Informática (PNFI) tiene como fin promover un conjunto de estudios y actividades académicas conducentes a los títulos de Técnico o Técnica Superior Universitaria en Informática e Ingeniero o Ingeniera en Informática, así como el grado de Especialista en áreas afines, donde se asocia el conocimiento con la investigación en escenarios reales, utilizando como método el diseño, desarrollo y puesta en marcha de Proyectos Socio Tecnológicos, utilizando para ello, la ejecución de proyectos oportunos, pertinentes y eficientes, en las comunidades u organizaciones estudiadas, lo que constituye características fundamentadas hacia la concepción de seres sociales unidos por sentimientos de búsqueda del bien común y calidad académica, construcción colectiva de aprendizajes, detección y solución de situaciones del área de informática, basados en integración de actores y visiones de conjunto, considerando siempre lo humano del ser.</a:t>
-            </a:r>
-          </a:p>
-          <a:p>
-            <a:pPr>
-              <a:lnSpc>
-                <a:spcPct val="115000"/>
-              </a:lnSpc>
-              <a:spcAft>
-                <a:spcPts val="1000"/>
-              </a:spcAft>
-              <a:buNone/>
-            </a:pPr>
-            <a:r>
-              <a:rPr lang="es-VE" sz="1800" b="1" dirty="0">
-                <a:effectLst/>
-                <a:latin typeface="Calibri" panose="020F0502020204030204" pitchFamily="34" charset="0"/>
-                <a:ea typeface="Calibri" panose="020F0502020204030204" pitchFamily="34" charset="0"/>
-                <a:cs typeface="Times New Roman" panose="02020603050405020304" pitchFamily="18" charset="0"/>
-              </a:rPr>
-              <a:t>Estructura Curricular</a:t>
-            </a:r>
-            <a:endParaRPr lang="es-VE" sz="1800" dirty="0">
-              <a:effectLst/>
-              <a:latin typeface="Calibri" panose="020F0502020204030204" pitchFamily="34" charset="0"/>
-              <a:ea typeface="Calibri" panose="020F0502020204030204" pitchFamily="34" charset="0"/>
-              <a:cs typeface="Times New Roman" panose="02020603050405020304" pitchFamily="18" charset="0"/>
-            </a:endParaRPr>
-          </a:p>
-          <a:p>
-            <a:pPr marL="342900" lvl="0" indent="-342900">
-              <a:lnSpc>
-                <a:spcPct val="115000"/>
-              </a:lnSpc>
-              <a:spcAft>
-                <a:spcPts val="1000"/>
-              </a:spcAft>
-              <a:buSzPts val="1000"/>
-              <a:buFont typeface="Symbol" panose="05050102010706020507" pitchFamily="18" charset="2"/>
-              <a:buChar char=""/>
-              <a:tabLst>
-                <a:tab pos="457200" algn="l"/>
-              </a:tabLst>
-            </a:pPr>
-            <a:r>
-              <a:rPr lang="es-VE" sz="1800" dirty="0">
-                <a:effectLst/>
-                <a:latin typeface="Calibri" panose="020F0502020204030204" pitchFamily="34" charset="0"/>
-                <a:ea typeface="Calibri" panose="020F0502020204030204" pitchFamily="34" charset="0"/>
-                <a:cs typeface="Times New Roman" panose="02020603050405020304" pitchFamily="18" charset="0"/>
-              </a:rPr>
-              <a:t>La estructura curricular del PNFI se diseña en trayectos, los cuales equivalen a un año; cada trayecto se estructura en tres trimestres.</a:t>
-            </a:r>
-          </a:p>
-          <a:p>
-            <a:pPr marL="342900" lvl="0" indent="-342900">
-              <a:lnSpc>
-                <a:spcPct val="115000"/>
-              </a:lnSpc>
-              <a:spcAft>
-                <a:spcPts val="1000"/>
-              </a:spcAft>
-              <a:buSzPts val="1000"/>
-              <a:buFont typeface="Symbol" panose="05050102010706020507" pitchFamily="18" charset="2"/>
-              <a:buChar char=""/>
-              <a:tabLst>
-                <a:tab pos="457200" algn="l"/>
-              </a:tabLst>
-            </a:pPr>
-            <a:r>
-              <a:rPr lang="es-VE" sz="1800" dirty="0">
-                <a:effectLst/>
-                <a:latin typeface="Calibri" panose="020F0502020204030204" pitchFamily="34" charset="0"/>
-                <a:ea typeface="Calibri" panose="020F0502020204030204" pitchFamily="34" charset="0"/>
-                <a:cs typeface="Times New Roman" panose="02020603050405020304" pitchFamily="18" charset="0"/>
-              </a:rPr>
-              <a:t>El régimen de estudios es anual, la estructura curricular contempla los trimestres de doce (12) semanas cada uno. Con una duración de dos (02) trayectos para la titulación como Técnico o Técnica Superior Universitario en Informática y de cuatro (04) trayectos para Ingeniero o Ingeniera en Informática. Así como las certificaciones para el trayecto I y III, de Soporte técnico a usuarios y equipos y Desarrollador de aplicaciones, respectivamente.</a:t>
-            </a:r>
-          </a:p>
-        </p:txBody>
-      </p:sp>
-    </p:spTree>
-    <p:extLst>
-      <p:ext uri="{BB962C8B-B14F-4D97-AF65-F5344CB8AC3E}">
-        <p14:creationId xmlns:p14="http://schemas.microsoft.com/office/powerpoint/2010/main" val="3636284986"/>
       </p:ext>
     </p:extLst>
   </p:cSld>

--- a/SERVICIO COMUNITARIO/CARtelera.pptx
+++ b/SERVICIO COMUNITARIO/CARtelera.pptx
@@ -10,7 +10,7 @@
     <p:sldId id="258" r:id="rId4"/>
   </p:sldIdLst>
   <p:sldSz cx="9144000" cy="6858000" type="letter"/>
-  <p:notesSz cx="7102475" cy="9388475"/>
+  <p:notesSz cx="6881813" cy="9296400"/>
   <p:defaultTextStyle>
     <a:defPPr>
       <a:defRPr lang="en-US"/>
@@ -245,7 +245,7 @@
           <a:p>
             <a:fld id="{B82E0376-7181-405D-A2DC-B79141D244DD}" type="datetimeFigureOut">
               <a:rPr lang="es-VE" smtClean="0"/>
-              <a:t>23/4/2025</a:t>
+              <a:t>13/5/2025</a:t>
             </a:fld>
             <a:endParaRPr lang="es-VE"/>
           </a:p>
@@ -415,7 +415,7 @@
           <a:p>
             <a:fld id="{B82E0376-7181-405D-A2DC-B79141D244DD}" type="datetimeFigureOut">
               <a:rPr lang="es-VE" smtClean="0"/>
-              <a:t>23/4/2025</a:t>
+              <a:t>13/5/2025</a:t>
             </a:fld>
             <a:endParaRPr lang="es-VE"/>
           </a:p>
@@ -595,7 +595,7 @@
           <a:p>
             <a:fld id="{B82E0376-7181-405D-A2DC-B79141D244DD}" type="datetimeFigureOut">
               <a:rPr lang="es-VE" smtClean="0"/>
-              <a:t>23/4/2025</a:t>
+              <a:t>13/5/2025</a:t>
             </a:fld>
             <a:endParaRPr lang="es-VE"/>
           </a:p>
@@ -765,7 +765,7 @@
           <a:p>
             <a:fld id="{B82E0376-7181-405D-A2DC-B79141D244DD}" type="datetimeFigureOut">
               <a:rPr lang="es-VE" smtClean="0"/>
-              <a:t>23/4/2025</a:t>
+              <a:t>13/5/2025</a:t>
             </a:fld>
             <a:endParaRPr lang="es-VE"/>
           </a:p>
@@ -1009,7 +1009,7 @@
           <a:p>
             <a:fld id="{B82E0376-7181-405D-A2DC-B79141D244DD}" type="datetimeFigureOut">
               <a:rPr lang="es-VE" smtClean="0"/>
-              <a:t>23/4/2025</a:t>
+              <a:t>13/5/2025</a:t>
             </a:fld>
             <a:endParaRPr lang="es-VE"/>
           </a:p>
@@ -1241,7 +1241,7 @@
           <a:p>
             <a:fld id="{B82E0376-7181-405D-A2DC-B79141D244DD}" type="datetimeFigureOut">
               <a:rPr lang="es-VE" smtClean="0"/>
-              <a:t>23/4/2025</a:t>
+              <a:t>13/5/2025</a:t>
             </a:fld>
             <a:endParaRPr lang="es-VE"/>
           </a:p>
@@ -1608,7 +1608,7 @@
           <a:p>
             <a:fld id="{B82E0376-7181-405D-A2DC-B79141D244DD}" type="datetimeFigureOut">
               <a:rPr lang="es-VE" smtClean="0"/>
-              <a:t>23/4/2025</a:t>
+              <a:t>13/5/2025</a:t>
             </a:fld>
             <a:endParaRPr lang="es-VE"/>
           </a:p>
@@ -1726,7 +1726,7 @@
           <a:p>
             <a:fld id="{B82E0376-7181-405D-A2DC-B79141D244DD}" type="datetimeFigureOut">
               <a:rPr lang="es-VE" smtClean="0"/>
-              <a:t>23/4/2025</a:t>
+              <a:t>13/5/2025</a:t>
             </a:fld>
             <a:endParaRPr lang="es-VE"/>
           </a:p>
@@ -1821,7 +1821,7 @@
           <a:p>
             <a:fld id="{B82E0376-7181-405D-A2DC-B79141D244DD}" type="datetimeFigureOut">
               <a:rPr lang="es-VE" smtClean="0"/>
-              <a:t>23/4/2025</a:t>
+              <a:t>13/5/2025</a:t>
             </a:fld>
             <a:endParaRPr lang="es-VE"/>
           </a:p>
@@ -2098,7 +2098,7 @@
           <a:p>
             <a:fld id="{B82E0376-7181-405D-A2DC-B79141D244DD}" type="datetimeFigureOut">
               <a:rPr lang="es-VE" smtClean="0"/>
-              <a:t>23/4/2025</a:t>
+              <a:t>13/5/2025</a:t>
             </a:fld>
             <a:endParaRPr lang="es-VE"/>
           </a:p>
@@ -2355,7 +2355,7 @@
           <a:p>
             <a:fld id="{B82E0376-7181-405D-A2DC-B79141D244DD}" type="datetimeFigureOut">
               <a:rPr lang="es-VE" smtClean="0"/>
-              <a:t>23/4/2025</a:t>
+              <a:t>13/5/2025</a:t>
             </a:fld>
             <a:endParaRPr lang="es-VE"/>
           </a:p>
@@ -2568,7 +2568,7 @@
           <a:p>
             <a:fld id="{B82E0376-7181-405D-A2DC-B79141D244DD}" type="datetimeFigureOut">
               <a:rPr lang="es-VE" smtClean="0"/>
-              <a:t>23/4/2025</a:t>
+              <a:t>13/5/2025</a:t>
             </a:fld>
             <a:endParaRPr lang="es-VE"/>
           </a:p>
@@ -3538,180 +3538,12 @@
           <a:chExt cx="0" cy="0"/>
         </a:xfrm>
       </p:grpSpPr>
-      <p:pic>
-        <p:nvPicPr>
-          <p:cNvPr id="4" name="Image 4">
+      <p:sp>
+        <p:nvSpPr>
+          <p:cNvPr id="20" name="CuadroTexto 19">
             <a:extLst>
               <a:ext uri="{FF2B5EF4-FFF2-40B4-BE49-F238E27FC236}">
-                <a16:creationId xmlns:a16="http://schemas.microsoft.com/office/drawing/2014/main" id="{A7428A86-7EBE-7B41-A536-2713D3FD5FD7}"/>
-              </a:ext>
-            </a:extLst>
-          </p:cNvPr>
-          <p:cNvPicPr>
-            <a:picLocks noChangeAspect="1"/>
-          </p:cNvPicPr>
-          <p:nvPr/>
-        </p:nvPicPr>
-        <p:blipFill>
-          <a:blip r:embed="rId2" cstate="print"/>
-          <a:stretch>
-            <a:fillRect/>
-          </a:stretch>
-        </p:blipFill>
-        <p:spPr>
-          <a:xfrm>
-            <a:off x="101696" y="87980"/>
-            <a:ext cx="2520000" cy="2520000"/>
-          </a:xfrm>
-          <a:prstGeom prst="rect">
-            <a:avLst/>
-          </a:prstGeom>
-        </p:spPr>
-      </p:pic>
-      <p:pic>
-        <p:nvPicPr>
-          <p:cNvPr id="8" name="Image 4">
-            <a:extLst>
-              <a:ext uri="{FF2B5EF4-FFF2-40B4-BE49-F238E27FC236}">
-                <a16:creationId xmlns:a16="http://schemas.microsoft.com/office/drawing/2014/main" id="{C892BA9E-B8EA-E2AA-7EEF-790A7C9979E3}"/>
-              </a:ext>
-            </a:extLst>
-          </p:cNvPr>
-          <p:cNvPicPr>
-            <a:picLocks/>
-          </p:cNvPicPr>
-          <p:nvPr/>
-        </p:nvPicPr>
-        <p:blipFill>
-          <a:blip r:embed="rId2" cstate="print"/>
-          <a:stretch>
-            <a:fillRect/>
-          </a:stretch>
-        </p:blipFill>
-        <p:spPr>
-          <a:xfrm>
-            <a:off x="5583463" y="4919121"/>
-            <a:ext cx="1800000" cy="1821712"/>
-          </a:xfrm>
-          <a:prstGeom prst="rect">
-            <a:avLst/>
-          </a:prstGeom>
-        </p:spPr>
-      </p:pic>
-      <p:pic>
-        <p:nvPicPr>
-          <p:cNvPr id="3" name="Imagen 2">
-            <a:extLst>
-              <a:ext uri="{FF2B5EF4-FFF2-40B4-BE49-F238E27FC236}">
-                <a16:creationId xmlns:a16="http://schemas.microsoft.com/office/drawing/2014/main" id="{1D1AF038-93A4-B640-C86E-0AF30F3143C1}"/>
-              </a:ext>
-            </a:extLst>
-          </p:cNvPr>
-          <p:cNvPicPr>
-            <a:picLocks/>
-          </p:cNvPicPr>
-          <p:nvPr/>
-        </p:nvPicPr>
-        <p:blipFill>
-          <a:blip r:embed="rId3">
-            <a:extLst>
-              <a:ext uri="{28A0092B-C50C-407E-A947-70E740481C1C}">
-                <a14:useLocalDpi xmlns:a14="http://schemas.microsoft.com/office/drawing/2010/main" val="0"/>
-              </a:ext>
-            </a:extLst>
-          </a:blip>
-          <a:srcRect l="-15017" t="3726" r="-13615" b="-12501"/>
-          <a:stretch/>
-        </p:blipFill>
-        <p:spPr>
-          <a:xfrm>
-            <a:off x="159191" y="2798722"/>
-            <a:ext cx="2520000" cy="2520000"/>
-          </a:xfrm>
-          <a:prstGeom prst="ellipse">
-            <a:avLst/>
-          </a:prstGeom>
-          <a:solidFill>
-            <a:schemeClr val="bg1"/>
-          </a:solidFill>
-          <a:ln w="63500" cap="rnd">
-            <a:noFill/>
-          </a:ln>
-          <a:effectLst/>
-          <a:scene3d>
-            <a:camera prst="orthographicFront"/>
-            <a:lightRig rig="contrasting" dir="t">
-              <a:rot lat="0" lon="0" rev="3000000"/>
-            </a:lightRig>
-          </a:scene3d>
-          <a:sp3d contourW="7620">
-            <a:bevelT w="95250" h="31750"/>
-            <a:contourClr>
-              <a:srgbClr val="333333"/>
-            </a:contourClr>
-          </a:sp3d>
-        </p:spPr>
-      </p:pic>
-      <p:pic>
-        <p:nvPicPr>
-          <p:cNvPr id="5" name="Imagen 4">
-            <a:extLst>
-              <a:ext uri="{FF2B5EF4-FFF2-40B4-BE49-F238E27FC236}">
-                <a16:creationId xmlns:a16="http://schemas.microsoft.com/office/drawing/2014/main" id="{F05B0094-6CFF-6233-D020-C21F96E291A1}"/>
-              </a:ext>
-            </a:extLst>
-          </p:cNvPr>
-          <p:cNvPicPr>
-            <a:picLocks noChangeAspect="1"/>
-          </p:cNvPicPr>
-          <p:nvPr/>
-        </p:nvPicPr>
-        <p:blipFill>
-          <a:blip r:embed="rId3">
-            <a:extLst>
-              <a:ext uri="{28A0092B-C50C-407E-A947-70E740481C1C}">
-                <a14:useLocalDpi xmlns:a14="http://schemas.microsoft.com/office/drawing/2010/main" val="0"/>
-              </a:ext>
-            </a:extLst>
-          </a:blip>
-          <a:srcRect l="-15017" t="3726" r="-13615" b="-12501"/>
-          <a:stretch/>
-        </p:blipFill>
-        <p:spPr>
-          <a:xfrm>
-            <a:off x="1917355" y="4940833"/>
-            <a:ext cx="1800000" cy="1800000"/>
-          </a:xfrm>
-          <a:prstGeom prst="ellipse">
-            <a:avLst/>
-          </a:prstGeom>
-          <a:solidFill>
-            <a:schemeClr val="bg1"/>
-          </a:solidFill>
-          <a:ln w="63500" cap="rnd">
-            <a:noFill/>
-          </a:ln>
-          <a:effectLst/>
-          <a:scene3d>
-            <a:camera prst="orthographicFront"/>
-            <a:lightRig rig="contrasting" dir="t">
-              <a:rot lat="0" lon="0" rev="3000000"/>
-            </a:lightRig>
-          </a:scene3d>
-          <a:sp3d contourW="7620">
-            <a:bevelT w="95250" h="31750"/>
-            <a:contourClr>
-              <a:srgbClr val="333333"/>
-            </a:contourClr>
-          </a:sp3d>
-        </p:spPr>
-      </p:pic>
-      <p:sp>
-        <p:nvSpPr>
-          <p:cNvPr id="9" name="CuadroTexto 8">
-            <a:extLst>
-              <a:ext uri="{FF2B5EF4-FFF2-40B4-BE49-F238E27FC236}">
-                <a16:creationId xmlns:a16="http://schemas.microsoft.com/office/drawing/2014/main" id="{06520417-78FF-9B96-A512-F9216E1B5C62}"/>
+                <a16:creationId xmlns:a16="http://schemas.microsoft.com/office/drawing/2014/main" id="{BB234540-F234-59B4-986C-EB59A60BDF97}"/>
               </a:ext>
             </a:extLst>
           </p:cNvPr>
@@ -3719,138 +3551,8 @@
           <p:nvPr/>
         </p:nvSpPr>
         <p:spPr>
-          <a:xfrm>
-            <a:off x="4415349" y="58161"/>
-            <a:ext cx="3798403" cy="430887"/>
-          </a:xfrm>
-          <a:prstGeom prst="rect">
-            <a:avLst/>
-          </a:prstGeom>
-          <a:noFill/>
-          <a:ln>
-            <a:solidFill>
-              <a:schemeClr val="tx1"/>
-            </a:solidFill>
-            <a:prstDash val="dash"/>
-          </a:ln>
-        </p:spPr>
-        <p:txBody>
-          <a:bodyPr wrap="square" rtlCol="0">
-            <a:spAutoFit/>
-          </a:bodyPr>
-          <a:lstStyle/>
-          <a:p>
-            <a:r>
-              <a:rPr lang="es-MX" sz="2200" b="1" dirty="0"/>
-              <a:t>DESCRIPCION DEL PROGRAMA</a:t>
-            </a:r>
-            <a:endParaRPr lang="es-VE" sz="2200" b="1" dirty="0"/>
-          </a:p>
-        </p:txBody>
-      </p:sp>
-      <p:sp>
-        <p:nvSpPr>
-          <p:cNvPr id="10" name="CuadroTexto 9">
-            <a:extLst>
-              <a:ext uri="{FF2B5EF4-FFF2-40B4-BE49-F238E27FC236}">
-                <a16:creationId xmlns:a16="http://schemas.microsoft.com/office/drawing/2014/main" id="{D7DC2B74-BEFF-1CDB-188D-FBB7629DBD32}"/>
-              </a:ext>
-            </a:extLst>
-          </p:cNvPr>
-          <p:cNvSpPr txBox="1"/>
-          <p:nvPr/>
-        </p:nvSpPr>
-        <p:spPr>
-          <a:xfrm>
-            <a:off x="6171391" y="805575"/>
-            <a:ext cx="2747708" cy="369332"/>
-          </a:xfrm>
-          <a:prstGeom prst="rect">
-            <a:avLst/>
-          </a:prstGeom>
-          <a:noFill/>
-          <a:ln>
-            <a:solidFill>
-              <a:schemeClr val="tx1"/>
-            </a:solidFill>
-            <a:prstDash val="dash"/>
-          </a:ln>
-        </p:spPr>
-        <p:txBody>
-          <a:bodyPr wrap="square" rtlCol="0">
-            <a:spAutoFit/>
-          </a:bodyPr>
-          <a:lstStyle/>
-          <a:p>
-            <a:r>
-              <a:rPr lang="es-MX" b="1" dirty="0" smtClean="0"/>
-              <a:t>PERFILES </a:t>
-            </a:r>
-            <a:r>
-              <a:rPr lang="es-MX" b="1" dirty="0"/>
-              <a:t>DE EGRESO</a:t>
-            </a:r>
-            <a:endParaRPr lang="es-VE" b="1" dirty="0"/>
-          </a:p>
-        </p:txBody>
-      </p:sp>
-      <p:sp>
-        <p:nvSpPr>
-          <p:cNvPr id="11" name="CuadroTexto 10">
-            <a:extLst>
-              <a:ext uri="{FF2B5EF4-FFF2-40B4-BE49-F238E27FC236}">
-                <a16:creationId xmlns:a16="http://schemas.microsoft.com/office/drawing/2014/main" id="{CE2389C0-F1AA-8C05-62EA-19EF128F548D}"/>
-              </a:ext>
-            </a:extLst>
-          </p:cNvPr>
-          <p:cNvSpPr txBox="1"/>
-          <p:nvPr/>
-        </p:nvSpPr>
-        <p:spPr>
-          <a:xfrm>
-            <a:off x="2974523" y="620909"/>
-            <a:ext cx="2844041" cy="369332"/>
-          </a:xfrm>
-          <a:prstGeom prst="rect">
-            <a:avLst/>
-          </a:prstGeom>
-          <a:noFill/>
-          <a:ln>
-            <a:solidFill>
-              <a:schemeClr val="tx1"/>
-            </a:solidFill>
-            <a:prstDash val="dash"/>
-          </a:ln>
-        </p:spPr>
-        <p:txBody>
-          <a:bodyPr wrap="square" rtlCol="0">
-            <a:spAutoFit/>
-          </a:bodyPr>
-          <a:lstStyle/>
-          <a:p>
-            <a:r>
-              <a:rPr lang="es-MX" b="1" dirty="0"/>
-              <a:t>ESTRUCTURA CURRICULAR</a:t>
-            </a:r>
-            <a:endParaRPr lang="es-VE" b="1" dirty="0"/>
-          </a:p>
-        </p:txBody>
-      </p:sp>
-      <p:sp>
-        <p:nvSpPr>
-          <p:cNvPr id="14" name="CuadroTexto 13">
-            <a:extLst>
-              <a:ext uri="{FF2B5EF4-FFF2-40B4-BE49-F238E27FC236}">
-                <a16:creationId xmlns:a16="http://schemas.microsoft.com/office/drawing/2014/main" id="{C234EFF6-1E9A-1575-6896-4F23C08BA58E}"/>
-              </a:ext>
-            </a:extLst>
-          </p:cNvPr>
-          <p:cNvSpPr txBox="1"/>
-          <p:nvPr/>
-        </p:nvSpPr>
-        <p:spPr>
-          <a:xfrm>
-            <a:off x="3108468" y="1352326"/>
+          <a:xfrm rot="16200000">
+            <a:off x="-2250932" y="3105834"/>
             <a:ext cx="5629186" cy="646331"/>
           </a:xfrm>
           <a:prstGeom prst="rect">
@@ -3873,248 +3575,18 @@
             <a:pPr algn="ctr"/>
             <a:r>
               <a:rPr lang="es-MX" b="1" dirty="0"/>
-              <a:t>TRAYECTO I</a:t>
+              <a:t>TRAYECTO IV</a:t>
             </a:r>
           </a:p>
           <a:p>
             <a:pPr algn="ctr"/>
             <a:r>
               <a:rPr lang="es-MX" b="1" dirty="0"/>
-              <a:t>Certificación en Soporte Técnico a Usuarios y Equipos</a:t>
-            </a:r>
-          </a:p>
-        </p:txBody>
-      </p:sp>
-      <p:sp>
-        <p:nvSpPr>
-          <p:cNvPr id="18" name="CuadroTexto 17">
-            <a:extLst>
-              <a:ext uri="{FF2B5EF4-FFF2-40B4-BE49-F238E27FC236}">
-                <a16:creationId xmlns:a16="http://schemas.microsoft.com/office/drawing/2014/main" id="{FAEAA4EB-4264-B9E0-2925-F7E48E4523CD}"/>
-              </a:ext>
-            </a:extLst>
-          </p:cNvPr>
-          <p:cNvSpPr txBox="1"/>
-          <p:nvPr/>
-        </p:nvSpPr>
-        <p:spPr>
-          <a:xfrm>
-            <a:off x="3128131" y="2830417"/>
-            <a:ext cx="5629186" cy="646331"/>
-          </a:xfrm>
-          <a:prstGeom prst="rect">
-            <a:avLst/>
-          </a:prstGeom>
-          <a:noFill/>
-          <a:ln>
-            <a:solidFill>
-              <a:schemeClr val="tx1"/>
-            </a:solidFill>
-            <a:prstDash val="dash"/>
-          </a:ln>
-        </p:spPr>
-        <p:txBody>
-          <a:bodyPr wrap="square" rtlCol="0">
-            <a:spAutoFit/>
-          </a:bodyPr>
-          <a:lstStyle/>
-          <a:p>
-            <a:pPr algn="ctr"/>
-            <a:r>
-              <a:rPr lang="es-MX" b="1" dirty="0" smtClean="0"/>
-              <a:t>TRAYECTO III</a:t>
-            </a:r>
-          </a:p>
-          <a:p>
-            <a:pPr algn="ctr"/>
-            <a:r>
-              <a:rPr lang="es-MX" b="1" dirty="0" smtClean="0"/>
-              <a:t>Certificación </a:t>
-            </a:r>
-            <a:r>
-              <a:rPr lang="es-MX" b="1" dirty="0"/>
-              <a:t>en Desarrollador de Aplicaciones</a:t>
-            </a:r>
-          </a:p>
-        </p:txBody>
-      </p:sp>
-      <p:sp>
-        <p:nvSpPr>
-          <p:cNvPr id="19" name="CuadroTexto 18">
-            <a:extLst>
-              <a:ext uri="{FF2B5EF4-FFF2-40B4-BE49-F238E27FC236}">
-                <a16:creationId xmlns:a16="http://schemas.microsoft.com/office/drawing/2014/main" id="{7EFC5D3C-7370-09A3-AFEC-667D040145EC}"/>
-              </a:ext>
-            </a:extLst>
-          </p:cNvPr>
-          <p:cNvSpPr txBox="1"/>
-          <p:nvPr/>
-        </p:nvSpPr>
-        <p:spPr>
-          <a:xfrm>
-            <a:off x="3108468" y="2094587"/>
-            <a:ext cx="5629186" cy="646331"/>
-          </a:xfrm>
-          <a:prstGeom prst="rect">
-            <a:avLst/>
-          </a:prstGeom>
-          <a:noFill/>
-          <a:ln>
-            <a:solidFill>
-              <a:schemeClr val="tx1"/>
-            </a:solidFill>
-            <a:prstDash val="dash"/>
-          </a:ln>
-        </p:spPr>
-        <p:txBody>
-          <a:bodyPr wrap="square" rtlCol="0">
-            <a:spAutoFit/>
-          </a:bodyPr>
-          <a:lstStyle/>
-          <a:p>
-            <a:pPr algn="ctr"/>
-            <a:r>
-              <a:rPr lang="es-MX" b="1" dirty="0" smtClean="0"/>
-              <a:t>TRAYECTO II</a:t>
-            </a:r>
-          </a:p>
-          <a:p>
-            <a:pPr algn="ctr"/>
-            <a:r>
-              <a:rPr lang="es-MX" b="1" dirty="0" smtClean="0"/>
-              <a:t>Certificación </a:t>
-            </a:r>
-            <a:r>
-              <a:rPr lang="es-MX" b="1" dirty="0"/>
-              <a:t>en Técnico Superior en Informática</a:t>
-            </a:r>
-          </a:p>
-        </p:txBody>
-      </p:sp>
-      <p:sp>
-        <p:nvSpPr>
-          <p:cNvPr id="20" name="CuadroTexto 19">
-            <a:extLst>
-              <a:ext uri="{FF2B5EF4-FFF2-40B4-BE49-F238E27FC236}">
-                <a16:creationId xmlns:a16="http://schemas.microsoft.com/office/drawing/2014/main" id="{BB234540-F234-59B4-986C-EB59A60BDF97}"/>
-              </a:ext>
-            </a:extLst>
-          </p:cNvPr>
-          <p:cNvSpPr txBox="1"/>
-          <p:nvPr/>
-        </p:nvSpPr>
-        <p:spPr>
-          <a:xfrm>
-            <a:off x="3108468" y="3571150"/>
-            <a:ext cx="5629186" cy="646331"/>
-          </a:xfrm>
-          <a:prstGeom prst="rect">
-            <a:avLst/>
-          </a:prstGeom>
-          <a:noFill/>
-          <a:ln>
-            <a:solidFill>
-              <a:schemeClr val="tx1"/>
-            </a:solidFill>
-            <a:prstDash val="dash"/>
-          </a:ln>
-        </p:spPr>
-        <p:txBody>
-          <a:bodyPr wrap="square" rtlCol="0">
-            <a:spAutoFit/>
-          </a:bodyPr>
-          <a:lstStyle/>
-          <a:p>
-            <a:pPr algn="ctr"/>
-            <a:r>
-              <a:rPr lang="es-MX" b="1" dirty="0" smtClean="0"/>
-              <a:t>TRAYECTO III</a:t>
-            </a:r>
-          </a:p>
-          <a:p>
-            <a:pPr algn="ctr"/>
-            <a:r>
-              <a:rPr lang="es-MX" b="1" dirty="0" smtClean="0"/>
-              <a:t>Certificación </a:t>
-            </a:r>
-            <a:r>
-              <a:rPr lang="es-MX" b="1" dirty="0"/>
-              <a:t>en Desarrollador de Aplicaciones</a:t>
-            </a:r>
-          </a:p>
-        </p:txBody>
-      </p:sp>
-      <p:pic>
-        <p:nvPicPr>
-          <p:cNvPr id="22" name="Imagen 21">
-            <a:extLst>
-              <a:ext uri="{FF2B5EF4-FFF2-40B4-BE49-F238E27FC236}">
-                <a16:creationId xmlns:a16="http://schemas.microsoft.com/office/drawing/2014/main" id="{7BCF390A-79E3-9CD3-AAB5-58256228795D}"/>
-              </a:ext>
-            </a:extLst>
-          </p:cNvPr>
-          <p:cNvPicPr>
-            <a:picLocks noChangeAspect="1"/>
-          </p:cNvPicPr>
-          <p:nvPr/>
-        </p:nvPicPr>
-        <p:blipFill>
-          <a:blip r:embed="rId4">
-            <a:extLst>
-              <a:ext uri="{28A0092B-C50C-407E-A947-70E740481C1C}">
-                <a14:useLocalDpi xmlns:a14="http://schemas.microsoft.com/office/drawing/2010/main" val="0"/>
-              </a:ext>
-            </a:extLst>
-          </a:blip>
-          <a:stretch>
-            <a:fillRect/>
-          </a:stretch>
-        </p:blipFill>
-        <p:spPr>
-          <a:xfrm>
-            <a:off x="3726311" y="4399680"/>
-            <a:ext cx="1800000" cy="1800000"/>
-          </a:xfrm>
-          <a:prstGeom prst="rect">
-            <a:avLst/>
-          </a:prstGeom>
-        </p:spPr>
-      </p:pic>
-      <p:pic>
-        <p:nvPicPr>
-          <p:cNvPr id="24" name="Imagen 23">
-            <a:extLst>
-              <a:ext uri="{FF2B5EF4-FFF2-40B4-BE49-F238E27FC236}">
-                <a16:creationId xmlns:a16="http://schemas.microsoft.com/office/drawing/2014/main" id="{8EDF088C-E678-B44D-BFFE-41BCBE17F376}"/>
-              </a:ext>
-            </a:extLst>
-          </p:cNvPr>
-          <p:cNvPicPr>
-            <a:picLocks noChangeAspect="1"/>
-          </p:cNvPicPr>
-          <p:nvPr/>
-        </p:nvPicPr>
-        <p:blipFill>
-          <a:blip r:embed="rId5">
-            <a:extLst>
-              <a:ext uri="{28A0092B-C50C-407E-A947-70E740481C1C}">
-                <a14:useLocalDpi xmlns:a14="http://schemas.microsoft.com/office/drawing/2010/main" val="0"/>
-              </a:ext>
-            </a:extLst>
-          </a:blip>
-          <a:srcRect b="28101"/>
-          <a:stretch/>
-        </p:blipFill>
-        <p:spPr>
-          <a:xfrm>
-            <a:off x="7066431" y="4308182"/>
-            <a:ext cx="2294642" cy="1649818"/>
-          </a:xfrm>
-          <a:prstGeom prst="rect">
-            <a:avLst/>
-          </a:prstGeom>
-        </p:spPr>
-      </p:pic>
+              <a:t>Certificación en Ingeniería Informática</a:t>
+            </a:r>
+          </a:p>
+        </p:txBody>
+      </p:sp>
     </p:spTree>
     <p:extLst>
       <p:ext uri="{BB962C8B-B14F-4D97-AF65-F5344CB8AC3E}">
